--- a/AIRLINE RESERVATION SYSTEM.pptx
+++ b/AIRLINE RESERVATION SYSTEM.pptx
@@ -127,10 +127,6 @@
 </p:presentation>
 </file>
 
-<file path=ppt/revisionInfo.xml><?xml version="1.0" encoding="utf-8"?>
-<p1510:revInfo xmlns:a="http://schemas.openxmlformats.org/drawingml/2006/main" xmlns:r="http://schemas.openxmlformats.org/officeDocument/2006/relationships" xmlns:p1510="http://schemas.microsoft.com/office/powerpoint/2015/10/main"/>
-</file>
-
 <file path=ppt/slideLayouts/slideLayout1.xml><?xml version="1.0" encoding="utf-8"?>
 <p:sldLayout xmlns:a="http://schemas.openxmlformats.org/drawingml/2006/main" xmlns:r="http://schemas.openxmlformats.org/officeDocument/2006/relationships" xmlns:p="http://schemas.openxmlformats.org/presentationml/2006/main" type="title" preserve="1">
   <p:cSld name="Title Slide">
@@ -226,7 +222,7 @@
           <a:effectLst/>
           <a:extLst>
             <a:ext uri="{91240B29-F687-4f45-9708-019B960494DF}">
-              <a14:hiddenLine xmlns:a14="http://schemas.microsoft.com/office/drawing/2010/main" xmlns="" w="9525">
+              <a14:hiddenLine xmlns="" xmlns:a14="http://schemas.microsoft.com/office/drawing/2010/main" w="9525">
                 <a:solidFill>
                   <a:srgbClr val="000000"/>
                 </a:solidFill>
@@ -419,7 +415,7 @@
             <a:fld id="{1E700B27-DE4C-4B9E-BB11-B9027034A00F}" type="datetimeFigureOut">
               <a:rPr lang="en-US" smtClean="0"/>
               <a:pPr/>
-              <a:t>1/31/2018</a:t>
+              <a:t>2/4/2018</a:t>
             </a:fld>
             <a:endParaRPr lang="en-US" dirty="0"/>
           </a:p>
@@ -748,7 +744,7 @@
           <a:p>
             <a:fld id="{7E0D914D-B099-4142-A885-11F276715148}" type="datetimeFigureOut">
               <a:rPr lang="en-US" smtClean="0"/>
-              <a:t>1/31/2018</a:t>
+              <a:t>2/4/2018</a:t>
             </a:fld>
             <a:endParaRPr lang="en-US" dirty="0"/>
           </a:p>
@@ -1243,7 +1239,7 @@
           <a:p>
             <a:fld id="{7E0D914D-B099-4142-A885-11F276715148}" type="datetimeFigureOut">
               <a:rPr lang="en-US" smtClean="0"/>
-              <a:t>1/31/2018</a:t>
+              <a:t>2/4/2018</a:t>
             </a:fld>
             <a:endParaRPr lang="en-US" dirty="0"/>
           </a:p>
@@ -1619,7 +1615,7 @@
           <a:p>
             <a:fld id="{7E0D914D-B099-4142-A885-11F276715148}" type="datetimeFigureOut">
               <a:rPr lang="en-US" smtClean="0"/>
-              <a:t>1/31/2018</a:t>
+              <a:t>2/4/2018</a:t>
             </a:fld>
             <a:endParaRPr lang="en-US" dirty="0"/>
           </a:p>
@@ -1781,7 +1777,7 @@
           <a:ln/>
           <a:extLst>
             <a:ext uri="{91240B29-F687-4f45-9708-019B960494DF}">
-              <a14:hiddenLine xmlns:a14="http://schemas.microsoft.com/office/drawing/2010/main" xmlns="" w="9525">
+              <a14:hiddenLine xmlns="" xmlns:a14="http://schemas.microsoft.com/office/drawing/2010/main" w="9525">
                 <a:solidFill>
                   <a:srgbClr val="000000"/>
                 </a:solidFill>
@@ -1899,7 +1895,7 @@
           <a:p>
             <a:fld id="{80DBE609-F3F2-45E6-BD6A-E03A8C86C1AE}" type="datetimeFigureOut">
               <a:rPr lang="en-US" smtClean="0"/>
-              <a:t>1/31/2018</a:t>
+              <a:t>2/4/2018</a:t>
             </a:fld>
             <a:endParaRPr lang="en-US" dirty="0"/>
           </a:p>
@@ -2062,7 +2058,7 @@
           <a:ln/>
           <a:extLst>
             <a:ext uri="{91240B29-F687-4f45-9708-019B960494DF}">
-              <a14:hiddenLine xmlns:a14="http://schemas.microsoft.com/office/drawing/2010/main" xmlns="" w="9525">
+              <a14:hiddenLine xmlns="" xmlns:a14="http://schemas.microsoft.com/office/drawing/2010/main" w="9525">
                 <a:solidFill>
                   <a:srgbClr val="000000"/>
                 </a:solidFill>
@@ -2190,7 +2186,7 @@
           <a:p>
             <a:fld id="{7A24AD68-089C-4467-A8F3-EA2BBCA6B44E}" type="datetimeFigureOut">
               <a:rPr lang="en-US" smtClean="0"/>
-              <a:t>1/31/2018</a:t>
+              <a:t>2/4/2018</a:t>
             </a:fld>
             <a:endParaRPr lang="en-US" dirty="0"/>
           </a:p>
@@ -2356,7 +2352,7 @@
           <a:ln/>
           <a:extLst>
             <a:ext uri="{91240B29-F687-4f45-9708-019B960494DF}">
-              <a14:hiddenLine xmlns:a14="http://schemas.microsoft.com/office/drawing/2010/main" xmlns="" w="9525">
+              <a14:hiddenLine xmlns="" xmlns:a14="http://schemas.microsoft.com/office/drawing/2010/main" w="9525">
                 <a:solidFill>
                   <a:srgbClr val="000000"/>
                 </a:solidFill>
@@ -2484,7 +2480,7 @@
           <a:p>
             <a:fld id="{75C51FCE-E4BB-4680-8E50-3C0E348D2609}" type="datetimeFigureOut">
               <a:rPr lang="en-US" smtClean="0"/>
-              <a:t>1/31/2018</a:t>
+              <a:t>2/4/2018</a:t>
             </a:fld>
             <a:endParaRPr lang="en-US" dirty="0"/>
           </a:p>
@@ -2833,7 +2829,7 @@
           <a:p>
             <a:fld id="{8AAA073D-A903-47F8-8D16-77642FB0DF1F}" type="datetimeFigureOut">
               <a:rPr lang="en-US" smtClean="0"/>
-              <a:t>1/31/2018</a:t>
+              <a:t>2/4/2018</a:t>
             </a:fld>
             <a:endParaRPr lang="en-US" dirty="0"/>
           </a:p>
@@ -2999,7 +2995,7 @@
           <a:ln/>
           <a:extLst>
             <a:ext uri="{91240B29-F687-4f45-9708-019B960494DF}">
-              <a14:hiddenLine xmlns:a14="http://schemas.microsoft.com/office/drawing/2010/main" xmlns="" w="9525">
+              <a14:hiddenLine xmlns="" xmlns:a14="http://schemas.microsoft.com/office/drawing/2010/main" w="9525">
                 <a:solidFill>
                   <a:srgbClr val="000000"/>
                 </a:solidFill>
@@ -3183,7 +3179,7 @@
           <a:p>
             <a:fld id="{AB91FA40-626B-4CA1-85D0-7A9016E395BA}" type="datetimeFigureOut">
               <a:rPr lang="en-US" smtClean="0"/>
-              <a:t>1/31/2018</a:t>
+              <a:t>2/4/2018</a:t>
             </a:fld>
             <a:endParaRPr lang="en-US" dirty="0"/>
           </a:p>
@@ -3344,7 +3340,7 @@
           <a:ln/>
           <a:extLst>
             <a:ext uri="{91240B29-F687-4f45-9708-019B960494DF}">
-              <a14:hiddenLine xmlns:a14="http://schemas.microsoft.com/office/drawing/2010/main" xmlns="" w="9525">
+              <a14:hiddenLine xmlns="" xmlns:a14="http://schemas.microsoft.com/office/drawing/2010/main" w="9525">
                 <a:solidFill>
                   <a:srgbClr val="000000"/>
                 </a:solidFill>
@@ -3666,7 +3662,7 @@
           <a:p>
             <a:fld id="{C3F425EA-B9DC-48A7-991E-9A82573B1B21}" type="datetimeFigureOut">
               <a:rPr lang="en-US" smtClean="0"/>
-              <a:t>1/31/2018</a:t>
+              <a:t>2/4/2018</a:t>
             </a:fld>
             <a:endParaRPr lang="en-US" dirty="0"/>
           </a:p>
@@ -3827,7 +3823,7 @@
           <a:ln/>
           <a:extLst>
             <a:ext uri="{91240B29-F687-4f45-9708-019B960494DF}">
-              <a14:hiddenLine xmlns:a14="http://schemas.microsoft.com/office/drawing/2010/main" xmlns="" w="9525">
+              <a14:hiddenLine xmlns="" xmlns:a14="http://schemas.microsoft.com/office/drawing/2010/main" w="9525">
                 <a:solidFill>
                   <a:srgbClr val="000000"/>
                 </a:solidFill>
@@ -3893,7 +3889,7 @@
           <a:p>
             <a:fld id="{66CB97F8-6CEB-469B-AFCC-889F2A2B1D5A}" type="datetimeFigureOut">
               <a:rPr lang="en-US" smtClean="0"/>
-              <a:t>1/31/2018</a:t>
+              <a:t>2/4/2018</a:t>
             </a:fld>
             <a:endParaRPr lang="en-US" dirty="0"/>
           </a:p>
@@ -3994,7 +3990,7 @@
           <a:p>
             <a:fld id="{8FA9179F-009E-4FA5-B091-7EBB82A185BD}" type="datetimeFigureOut">
               <a:rPr lang="en-US" smtClean="0"/>
-              <a:t>1/31/2018</a:t>
+              <a:t>2/4/2018</a:t>
             </a:fld>
             <a:endParaRPr lang="en-US" dirty="0"/>
           </a:p>
@@ -4268,7 +4264,7 @@
           <a:ln/>
           <a:extLst>
             <a:ext uri="{91240B29-F687-4f45-9708-019B960494DF}">
-              <a14:hiddenLine xmlns:a14="http://schemas.microsoft.com/office/drawing/2010/main" xmlns="" w="9525">
+              <a14:hiddenLine xmlns="" xmlns:a14="http://schemas.microsoft.com/office/drawing/2010/main" w="9525">
                 <a:solidFill>
                   <a:srgbClr val="000000"/>
                 </a:solidFill>
@@ -4467,7 +4463,7 @@
           <a:p>
             <a:fld id="{8E665CEB-0076-4E37-B880-BCEA9784DE0A}" type="datetimeFigureOut">
               <a:rPr lang="en-US" smtClean="0"/>
-              <a:t>1/31/2018</a:t>
+              <a:t>2/4/2018</a:t>
             </a:fld>
             <a:endParaRPr lang="en-US" dirty="0"/>
           </a:p>
@@ -4786,7 +4782,7 @@
           <a:p>
             <a:fld id="{A6149E5E-3896-4118-99A7-7B85668F1C5E}" type="datetimeFigureOut">
               <a:rPr lang="en-US" smtClean="0"/>
-              <a:t>1/31/2018</a:t>
+              <a:t>2/4/2018</a:t>
             </a:fld>
             <a:endParaRPr lang="en-US" dirty="0"/>
           </a:p>
@@ -5067,7 +5063,7 @@
           <a:p>
             <a:fld id="{7E0D914D-B099-4142-A885-11F276715148}" type="datetimeFigureOut">
               <a:rPr lang="en-US" smtClean="0"/>
-              <a:t>1/31/2018</a:t>
+              <a:t>2/4/2018</a:t>
             </a:fld>
             <a:endParaRPr lang="en-US" dirty="0"/>
           </a:p>
@@ -9926,6 +9922,16 @@
           </a:p>
           <a:p>
             <a:r>
+              <a:rPr lang="en-US" dirty="0" err="1"/>
+              <a:t>front_page</a:t>
+            </a:r>
+            <a:r>
+              <a:rPr lang="en-US" dirty="0"/>
+              <a:t>()</a:t>
+            </a:r>
+          </a:p>
+          <a:p>
+            <a:r>
               <a:rPr lang="en-US" dirty="0"/>
               <a:t>main()</a:t>
             </a:r>
